--- a/presentation/2DGP Project.pptx
+++ b/presentation/2DGP Project.pptx
@@ -6807,7 +6807,7 @@
           <a:p>
             <a:fld id="{4517606B-5C8D-472B-A22F-547E81791184}" type="datetimeFigureOut">
               <a:rPr lang="ko-KR" altLang="en-US" smtClean="0"/>
-              <a:t>2023-10-15</a:t>
+              <a:t>2023-11-12</a:t>
             </a:fld>
             <a:endParaRPr lang="ko-KR" altLang="en-US"/>
           </a:p>
@@ -7005,7 +7005,7 @@
           <a:p>
             <a:fld id="{4517606B-5C8D-472B-A22F-547E81791184}" type="datetimeFigureOut">
               <a:rPr lang="ko-KR" altLang="en-US" smtClean="0"/>
-              <a:t>2023-10-15</a:t>
+              <a:t>2023-11-12</a:t>
             </a:fld>
             <a:endParaRPr lang="ko-KR" altLang="en-US"/>
           </a:p>
@@ -7213,7 +7213,7 @@
           <a:p>
             <a:fld id="{4517606B-5C8D-472B-A22F-547E81791184}" type="datetimeFigureOut">
               <a:rPr lang="ko-KR" altLang="en-US" smtClean="0"/>
-              <a:t>2023-10-15</a:t>
+              <a:t>2023-11-12</a:t>
             </a:fld>
             <a:endParaRPr lang="ko-KR" altLang="en-US"/>
           </a:p>
@@ -7411,7 +7411,7 @@
           <a:p>
             <a:fld id="{4517606B-5C8D-472B-A22F-547E81791184}" type="datetimeFigureOut">
               <a:rPr lang="ko-KR" altLang="en-US" smtClean="0"/>
-              <a:t>2023-10-15</a:t>
+              <a:t>2023-11-12</a:t>
             </a:fld>
             <a:endParaRPr lang="ko-KR" altLang="en-US"/>
           </a:p>
@@ -7686,7 +7686,7 @@
           <a:p>
             <a:fld id="{4517606B-5C8D-472B-A22F-547E81791184}" type="datetimeFigureOut">
               <a:rPr lang="ko-KR" altLang="en-US" smtClean="0"/>
-              <a:t>2023-10-15</a:t>
+              <a:t>2023-11-12</a:t>
             </a:fld>
             <a:endParaRPr lang="ko-KR" altLang="en-US"/>
           </a:p>
@@ -7951,7 +7951,7 @@
           <a:p>
             <a:fld id="{4517606B-5C8D-472B-A22F-547E81791184}" type="datetimeFigureOut">
               <a:rPr lang="ko-KR" altLang="en-US" smtClean="0"/>
-              <a:t>2023-10-15</a:t>
+              <a:t>2023-11-12</a:t>
             </a:fld>
             <a:endParaRPr lang="ko-KR" altLang="en-US"/>
           </a:p>
@@ -8363,7 +8363,7 @@
           <a:p>
             <a:fld id="{4517606B-5C8D-472B-A22F-547E81791184}" type="datetimeFigureOut">
               <a:rPr lang="ko-KR" altLang="en-US" smtClean="0"/>
-              <a:t>2023-10-15</a:t>
+              <a:t>2023-11-12</a:t>
             </a:fld>
             <a:endParaRPr lang="ko-KR" altLang="en-US"/>
           </a:p>
@@ -8504,7 +8504,7 @@
           <a:p>
             <a:fld id="{4517606B-5C8D-472B-A22F-547E81791184}" type="datetimeFigureOut">
               <a:rPr lang="ko-KR" altLang="en-US" smtClean="0"/>
-              <a:t>2023-10-15</a:t>
+              <a:t>2023-11-12</a:t>
             </a:fld>
             <a:endParaRPr lang="ko-KR" altLang="en-US"/>
           </a:p>
@@ -8617,7 +8617,7 @@
           <a:p>
             <a:fld id="{4517606B-5C8D-472B-A22F-547E81791184}" type="datetimeFigureOut">
               <a:rPr lang="ko-KR" altLang="en-US" smtClean="0"/>
-              <a:t>2023-10-15</a:t>
+              <a:t>2023-11-12</a:t>
             </a:fld>
             <a:endParaRPr lang="ko-KR" altLang="en-US"/>
           </a:p>
@@ -8928,7 +8928,7 @@
           <a:p>
             <a:fld id="{4517606B-5C8D-472B-A22F-547E81791184}" type="datetimeFigureOut">
               <a:rPr lang="ko-KR" altLang="en-US" smtClean="0"/>
-              <a:t>2023-10-15</a:t>
+              <a:t>2023-11-12</a:t>
             </a:fld>
             <a:endParaRPr lang="ko-KR" altLang="en-US"/>
           </a:p>
@@ -9216,7 +9216,7 @@
           <a:p>
             <a:fld id="{4517606B-5C8D-472B-A22F-547E81791184}" type="datetimeFigureOut">
               <a:rPr lang="ko-KR" altLang="en-US" smtClean="0"/>
-              <a:t>2023-10-15</a:t>
+              <a:t>2023-11-12</a:t>
             </a:fld>
             <a:endParaRPr lang="ko-KR" altLang="en-US"/>
           </a:p>
@@ -9457,7 +9457,7 @@
           <a:p>
             <a:fld id="{4517606B-5C8D-472B-A22F-547E81791184}" type="datetimeFigureOut">
               <a:rPr lang="ko-KR" altLang="en-US" smtClean="0"/>
-              <a:t>2023-10-15</a:t>
+              <a:t>2023-11-12</a:t>
             </a:fld>
             <a:endParaRPr lang="ko-KR" altLang="en-US"/>
           </a:p>
